--- a/Diabetes.pptx
+++ b/Diabetes.pptx
@@ -9,10 +9,11 @@
     <p:sldId id="257" r:id="rId3"/>
     <p:sldId id="258" r:id="rId4"/>
     <p:sldId id="259" r:id="rId5"/>
-    <p:sldId id="266" r:id="rId6"/>
-    <p:sldId id="265" r:id="rId7"/>
-    <p:sldId id="267" r:id="rId8"/>
-    <p:sldId id="264" r:id="rId9"/>
+    <p:sldId id="268" r:id="rId6"/>
+    <p:sldId id="266" r:id="rId7"/>
+    <p:sldId id="265" r:id="rId8"/>
+    <p:sldId id="267" r:id="rId9"/>
+    <p:sldId id="264" r:id="rId10"/>
   </p:sldIdLst>
   <p:sldSz cx="12192000" cy="6858000"/>
   <p:notesSz cx="6858000" cy="9144000"/>
@@ -3837,7 +3838,7 @@
         <p:spPr>
           <a:xfrm>
             <a:off x="341171" y="6157608"/>
-            <a:ext cx="11417862" cy="584775"/>
+            <a:ext cx="6808659" cy="584775"/>
           </a:xfrm>
           <a:prstGeom prst="rect">
             <a:avLst/>
@@ -4002,7 +4003,7 @@
         </p:blipFill>
         <p:spPr>
           <a:xfrm>
-            <a:off x="147118" y="569866"/>
+            <a:off x="222275" y="682372"/>
             <a:ext cx="7263209" cy="4453100"/>
           </a:xfrm>
           <a:prstGeom prst="rect">
@@ -4110,10 +4111,10 @@
       </p:sp>
       <p:pic>
         <p:nvPicPr>
-          <p:cNvPr id="4" name="Рисунок 3">
-            <a:extLst>
-              <a:ext uri="{FF2B5EF4-FFF2-40B4-BE49-F238E27FC236}">
-                <a16:creationId xmlns:a16="http://schemas.microsoft.com/office/drawing/2014/main" id="{A74F478E-803B-82A2-6B53-51BCF9B62A92}"/>
+          <p:cNvPr id="5" name="Рисунок 4">
+            <a:extLst>
+              <a:ext uri="{FF2B5EF4-FFF2-40B4-BE49-F238E27FC236}">
+                <a16:creationId xmlns:a16="http://schemas.microsoft.com/office/drawing/2014/main" id="{B2CA6873-BBF1-7D42-31F3-B981218B4A6E}"/>
               </a:ext>
             </a:extLst>
           </p:cNvPr>
@@ -4136,8 +4137,8 @@
         </p:blipFill>
         <p:spPr>
           <a:xfrm>
-            <a:off x="309588" y="740848"/>
-            <a:ext cx="11572824" cy="5659952"/>
+            <a:off x="0" y="818564"/>
+            <a:ext cx="12192000" cy="5444392"/>
           </a:xfrm>
           <a:prstGeom prst="rect">
             <a:avLst/>
@@ -4179,7 +4180,7 @@
           <p:cNvPr id="2" name="TextBox 1">
             <a:extLst>
               <a:ext uri="{FF2B5EF4-FFF2-40B4-BE49-F238E27FC236}">
-                <a16:creationId xmlns:a16="http://schemas.microsoft.com/office/drawing/2014/main" id="{52010CF2-41AB-7F4A-13E4-7635EF346A2B}"/>
+                <a16:creationId xmlns:a16="http://schemas.microsoft.com/office/drawing/2014/main" id="{5BC0FB84-7524-7431-48B0-0DB40C0BAA34}"/>
               </a:ext>
             </a:extLst>
           </p:cNvPr>
@@ -4188,8 +4189,8 @@
         </p:nvSpPr>
         <p:spPr>
           <a:xfrm>
-            <a:off x="535021" y="428017"/>
-            <a:ext cx="2770054" cy="400110"/>
+            <a:off x="522686" y="340738"/>
+            <a:ext cx="2979271" cy="400110"/>
           </a:xfrm>
           <a:prstGeom prst="rect">
             <a:avLst/>
@@ -4197,24 +4198,28 @@
           <a:noFill/>
         </p:spPr>
         <p:txBody>
-          <a:bodyPr wrap="none" rtlCol="0">
+          <a:bodyPr wrap="square" rtlCol="0">
             <a:spAutoFit/>
           </a:bodyPr>
           <a:lstStyle/>
           <a:p>
             <a:r>
               <a:rPr lang="ru-RU" sz="2000" b="1" dirty="0"/>
-              <a:t>Анализ распределения</a:t>
+              <a:t>Описательная</a:t>
+            </a:r>
+            <a:r>
+              <a:rPr lang="ru-RU" b="1" dirty="0"/>
+              <a:t> статистика</a:t>
             </a:r>
           </a:p>
         </p:txBody>
       </p:sp>
       <p:pic>
         <p:nvPicPr>
-          <p:cNvPr id="6" name="Рисунок 5">
-            <a:extLst>
-              <a:ext uri="{FF2B5EF4-FFF2-40B4-BE49-F238E27FC236}">
-                <a16:creationId xmlns:a16="http://schemas.microsoft.com/office/drawing/2014/main" id="{40F8E4ED-62B7-316B-9048-D8DF2DB0632E}"/>
+          <p:cNvPr id="4" name="Рисунок 3">
+            <a:extLst>
+              <a:ext uri="{FF2B5EF4-FFF2-40B4-BE49-F238E27FC236}">
+                <a16:creationId xmlns:a16="http://schemas.microsoft.com/office/drawing/2014/main" id="{1DAC3AAD-3FBF-4E5C-1309-C0391C8FB47F}"/>
               </a:ext>
             </a:extLst>
           </p:cNvPr>
@@ -4237,128 +4242,18 @@
         </p:blipFill>
         <p:spPr>
           <a:xfrm>
-            <a:off x="0" y="987485"/>
-            <a:ext cx="12192000" cy="5700156"/>
+            <a:off x="3718595" y="187825"/>
+            <a:ext cx="7950719" cy="6670175"/>
           </a:xfrm>
           <a:prstGeom prst="rect">
             <a:avLst/>
           </a:prstGeom>
         </p:spPr>
       </p:pic>
-      <p:sp>
-        <p:nvSpPr>
-          <p:cNvPr id="8" name="Овал 7">
-            <a:extLst>
-              <a:ext uri="{FF2B5EF4-FFF2-40B4-BE49-F238E27FC236}">
-                <a16:creationId xmlns:a16="http://schemas.microsoft.com/office/drawing/2014/main" id="{F90F4EAD-84C9-3D85-A604-71FA87CF0380}"/>
-              </a:ext>
-            </a:extLst>
-          </p:cNvPr>
-          <p:cNvSpPr/>
-          <p:nvPr/>
-        </p:nvSpPr>
-        <p:spPr>
-          <a:xfrm>
-            <a:off x="379379" y="2354093"/>
-            <a:ext cx="1313234" cy="400110"/>
-          </a:xfrm>
-          <a:prstGeom prst="ellipse">
-            <a:avLst/>
-          </a:prstGeom>
-          <a:noFill/>
-          <a:ln>
-            <a:solidFill>
-              <a:schemeClr val="accent2">
-                <a:lumMod val="60000"/>
-                <a:lumOff val="40000"/>
-              </a:schemeClr>
-            </a:solidFill>
-          </a:ln>
-        </p:spPr>
-        <p:style>
-          <a:lnRef idx="2">
-            <a:schemeClr val="accent1">
-              <a:shade val="15000"/>
-            </a:schemeClr>
-          </a:lnRef>
-          <a:fillRef idx="1">
-            <a:schemeClr val="accent1"/>
-          </a:fillRef>
-          <a:effectRef idx="0">
-            <a:schemeClr val="accent1"/>
-          </a:effectRef>
-          <a:fontRef idx="minor">
-            <a:schemeClr val="lt1"/>
-          </a:fontRef>
-        </p:style>
-        <p:txBody>
-          <a:bodyPr rtlCol="0" anchor="ctr"/>
-          <a:lstStyle/>
-          <a:p>
-            <a:pPr algn="ctr"/>
-            <a:endParaRPr lang="ru-RU"/>
-          </a:p>
-        </p:txBody>
-      </p:sp>
-      <p:sp>
-        <p:nvSpPr>
-          <p:cNvPr id="9" name="Овал 8">
-            <a:extLst>
-              <a:ext uri="{FF2B5EF4-FFF2-40B4-BE49-F238E27FC236}">
-                <a16:creationId xmlns:a16="http://schemas.microsoft.com/office/drawing/2014/main" id="{D5262252-4AFC-831D-EF55-4D763C84CE2C}"/>
-              </a:ext>
-            </a:extLst>
-          </p:cNvPr>
-          <p:cNvSpPr/>
-          <p:nvPr/>
-        </p:nvSpPr>
-        <p:spPr>
-          <a:xfrm>
-            <a:off x="311286" y="5191327"/>
-            <a:ext cx="1313234" cy="400110"/>
-          </a:xfrm>
-          <a:prstGeom prst="ellipse">
-            <a:avLst/>
-          </a:prstGeom>
-          <a:noFill/>
-          <a:ln>
-            <a:solidFill>
-              <a:schemeClr val="accent2">
-                <a:lumMod val="60000"/>
-                <a:lumOff val="40000"/>
-              </a:schemeClr>
-            </a:solidFill>
-          </a:ln>
-        </p:spPr>
-        <p:style>
-          <a:lnRef idx="2">
-            <a:schemeClr val="accent1">
-              <a:shade val="15000"/>
-            </a:schemeClr>
-          </a:lnRef>
-          <a:fillRef idx="1">
-            <a:schemeClr val="accent1"/>
-          </a:fillRef>
-          <a:effectRef idx="0">
-            <a:schemeClr val="accent1"/>
-          </a:effectRef>
-          <a:fontRef idx="minor">
-            <a:schemeClr val="lt1"/>
-          </a:fontRef>
-        </p:style>
-        <p:txBody>
-          <a:bodyPr rtlCol="0" anchor="ctr"/>
-          <a:lstStyle/>
-          <a:p>
-            <a:pPr algn="ctr"/>
-            <a:endParaRPr lang="ru-RU"/>
-          </a:p>
-        </p:txBody>
-      </p:sp>
     </p:spTree>
     <p:extLst>
       <p:ext uri="{BB962C8B-B14F-4D97-AF65-F5344CB8AC3E}">
-        <p14:creationId xmlns:p14="http://schemas.microsoft.com/office/powerpoint/2010/main" val="2037279316"/>
+        <p14:creationId xmlns:p14="http://schemas.microsoft.com/office/powerpoint/2010/main" val="1619703463"/>
       </p:ext>
     </p:extLst>
   </p:cSld>
@@ -4385,12 +4280,47 @@
           <a:chExt cx="0" cy="0"/>
         </a:xfrm>
       </p:grpSpPr>
+      <p:sp>
+        <p:nvSpPr>
+          <p:cNvPr id="2" name="TextBox 1">
+            <a:extLst>
+              <a:ext uri="{FF2B5EF4-FFF2-40B4-BE49-F238E27FC236}">
+                <a16:creationId xmlns:a16="http://schemas.microsoft.com/office/drawing/2014/main" id="{52010CF2-41AB-7F4A-13E4-7635EF346A2B}"/>
+              </a:ext>
+            </a:extLst>
+          </p:cNvPr>
+          <p:cNvSpPr txBox="1"/>
+          <p:nvPr/>
+        </p:nvSpPr>
+        <p:spPr>
+          <a:xfrm>
+            <a:off x="535021" y="428017"/>
+            <a:ext cx="2770054" cy="400110"/>
+          </a:xfrm>
+          <a:prstGeom prst="rect">
+            <a:avLst/>
+          </a:prstGeom>
+          <a:noFill/>
+        </p:spPr>
+        <p:txBody>
+          <a:bodyPr wrap="none" rtlCol="0">
+            <a:spAutoFit/>
+          </a:bodyPr>
+          <a:lstStyle/>
+          <a:p>
+            <a:r>
+              <a:rPr lang="ru-RU" sz="2000" b="1" dirty="0"/>
+              <a:t>Анализ распределения</a:t>
+            </a:r>
+          </a:p>
+        </p:txBody>
+      </p:sp>
       <p:pic>
         <p:nvPicPr>
-          <p:cNvPr id="3" name="Рисунок 2">
-            <a:extLst>
-              <a:ext uri="{FF2B5EF4-FFF2-40B4-BE49-F238E27FC236}">
-                <a16:creationId xmlns:a16="http://schemas.microsoft.com/office/drawing/2014/main" id="{1A8C2372-3D2B-EAD0-02D0-0D1BABA2C942}"/>
+          <p:cNvPr id="6" name="Рисунок 5">
+            <a:extLst>
+              <a:ext uri="{FF2B5EF4-FFF2-40B4-BE49-F238E27FC236}">
+                <a16:creationId xmlns:a16="http://schemas.microsoft.com/office/drawing/2014/main" id="{40F8E4ED-62B7-316B-9048-D8DF2DB0632E}"/>
               </a:ext>
             </a:extLst>
           </p:cNvPr>
@@ -4399,15 +4329,22 @@
           </p:cNvPicPr>
           <p:nvPr/>
         </p:nvPicPr>
-        <p:blipFill rotWithShape="1">
-          <a:blip r:embed="rId2"/>
-          <a:srcRect l="44521" t="18865" r="5930" b="5673"/>
-          <a:stretch/>
+        <p:blipFill>
+          <a:blip r:embed="rId2">
+            <a:extLst>
+              <a:ext uri="{28A0092B-C50C-407E-A947-70E740481C1C}">
+                <a14:useLocalDpi xmlns:a14="http://schemas.microsoft.com/office/drawing/2010/main" val="0"/>
+              </a:ext>
+            </a:extLst>
+          </a:blip>
+          <a:stretch>
+            <a:fillRect/>
+          </a:stretch>
         </p:blipFill>
         <p:spPr>
           <a:xfrm>
-            <a:off x="2765087" y="817120"/>
-            <a:ext cx="6661826" cy="5707072"/>
+            <a:off x="0" y="987485"/>
+            <a:ext cx="12192000" cy="5700156"/>
           </a:xfrm>
           <a:prstGeom prst="rect">
             <a:avLst/>
@@ -4416,43 +4353,118 @@
       </p:pic>
       <p:sp>
         <p:nvSpPr>
-          <p:cNvPr id="4" name="TextBox 3">
-            <a:extLst>
-              <a:ext uri="{FF2B5EF4-FFF2-40B4-BE49-F238E27FC236}">
-                <a16:creationId xmlns:a16="http://schemas.microsoft.com/office/drawing/2014/main" id="{E6F1C2B9-B069-8D7F-651A-0CF443545BED}"/>
-              </a:ext>
-            </a:extLst>
-          </p:cNvPr>
-          <p:cNvSpPr txBox="1"/>
+          <p:cNvPr id="8" name="Овал 7">
+            <a:extLst>
+              <a:ext uri="{FF2B5EF4-FFF2-40B4-BE49-F238E27FC236}">
+                <a16:creationId xmlns:a16="http://schemas.microsoft.com/office/drawing/2014/main" id="{F90F4EAD-84C9-3D85-A604-71FA87CF0380}"/>
+              </a:ext>
+            </a:extLst>
+          </p:cNvPr>
+          <p:cNvSpPr/>
           <p:nvPr/>
         </p:nvSpPr>
         <p:spPr>
           <a:xfrm>
-            <a:off x="426915" y="333808"/>
-            <a:ext cx="5957740" cy="400110"/>
-          </a:xfrm>
-          <a:prstGeom prst="rect">
+            <a:off x="379379" y="2354093"/>
+            <a:ext cx="1313234" cy="400110"/>
+          </a:xfrm>
+          <a:prstGeom prst="ellipse">
             <a:avLst/>
           </a:prstGeom>
           <a:noFill/>
-        </p:spPr>
-        <p:txBody>
-          <a:bodyPr wrap="square" rtlCol="0">
-            <a:spAutoFit/>
-          </a:bodyPr>
-          <a:lstStyle/>
-          <a:p>
-            <a:r>
-              <a:rPr lang="ru-RU" sz="2000" b="1" dirty="0"/>
-              <a:t>Тепловая карта корреляционной матрицы</a:t>
-            </a:r>
+          <a:ln>
+            <a:solidFill>
+              <a:schemeClr val="accent2">
+                <a:lumMod val="60000"/>
+                <a:lumOff val="40000"/>
+              </a:schemeClr>
+            </a:solidFill>
+          </a:ln>
+        </p:spPr>
+        <p:style>
+          <a:lnRef idx="2">
+            <a:schemeClr val="accent1">
+              <a:shade val="15000"/>
+            </a:schemeClr>
+          </a:lnRef>
+          <a:fillRef idx="1">
+            <a:schemeClr val="accent1"/>
+          </a:fillRef>
+          <a:effectRef idx="0">
+            <a:schemeClr val="accent1"/>
+          </a:effectRef>
+          <a:fontRef idx="minor">
+            <a:schemeClr val="lt1"/>
+          </a:fontRef>
+        </p:style>
+        <p:txBody>
+          <a:bodyPr rtlCol="0" anchor="ctr"/>
+          <a:lstStyle/>
+          <a:p>
+            <a:pPr algn="ctr"/>
+            <a:endParaRPr lang="ru-RU"/>
+          </a:p>
+        </p:txBody>
+      </p:sp>
+      <p:sp>
+        <p:nvSpPr>
+          <p:cNvPr id="9" name="Овал 8">
+            <a:extLst>
+              <a:ext uri="{FF2B5EF4-FFF2-40B4-BE49-F238E27FC236}">
+                <a16:creationId xmlns:a16="http://schemas.microsoft.com/office/drawing/2014/main" id="{D5262252-4AFC-831D-EF55-4D763C84CE2C}"/>
+              </a:ext>
+            </a:extLst>
+          </p:cNvPr>
+          <p:cNvSpPr/>
+          <p:nvPr/>
+        </p:nvSpPr>
+        <p:spPr>
+          <a:xfrm>
+            <a:off x="311286" y="5191327"/>
+            <a:ext cx="1313234" cy="400110"/>
+          </a:xfrm>
+          <a:prstGeom prst="ellipse">
+            <a:avLst/>
+          </a:prstGeom>
+          <a:noFill/>
+          <a:ln>
+            <a:solidFill>
+              <a:schemeClr val="accent2">
+                <a:lumMod val="60000"/>
+                <a:lumOff val="40000"/>
+              </a:schemeClr>
+            </a:solidFill>
+          </a:ln>
+        </p:spPr>
+        <p:style>
+          <a:lnRef idx="2">
+            <a:schemeClr val="accent1">
+              <a:shade val="15000"/>
+            </a:schemeClr>
+          </a:lnRef>
+          <a:fillRef idx="1">
+            <a:schemeClr val="accent1"/>
+          </a:fillRef>
+          <a:effectRef idx="0">
+            <a:schemeClr val="accent1"/>
+          </a:effectRef>
+          <a:fontRef idx="minor">
+            <a:schemeClr val="lt1"/>
+          </a:fontRef>
+        </p:style>
+        <p:txBody>
+          <a:bodyPr rtlCol="0" anchor="ctr"/>
+          <a:lstStyle/>
+          <a:p>
+            <a:pPr algn="ctr"/>
+            <a:endParaRPr lang="ru-RU"/>
           </a:p>
         </p:txBody>
       </p:sp>
     </p:spTree>
     <p:extLst>
       <p:ext uri="{BB962C8B-B14F-4D97-AF65-F5344CB8AC3E}">
-        <p14:creationId xmlns:p14="http://schemas.microsoft.com/office/powerpoint/2010/main" val="950121509"/>
+        <p14:creationId xmlns:p14="http://schemas.microsoft.com/office/powerpoint/2010/main" val="2037279316"/>
       </p:ext>
     </p:extLst>
   </p:cSld>
@@ -4481,10 +4493,10 @@
       </p:grpSpPr>
       <p:sp>
         <p:nvSpPr>
-          <p:cNvPr id="2" name="TextBox 1">
-            <a:extLst>
-              <a:ext uri="{FF2B5EF4-FFF2-40B4-BE49-F238E27FC236}">
-                <a16:creationId xmlns:a16="http://schemas.microsoft.com/office/drawing/2014/main" id="{B9F41145-CB82-5216-2EC5-97AE816488F5}"/>
+          <p:cNvPr id="4" name="TextBox 3">
+            <a:extLst>
+              <a:ext uri="{FF2B5EF4-FFF2-40B4-BE49-F238E27FC236}">
+                <a16:creationId xmlns:a16="http://schemas.microsoft.com/office/drawing/2014/main" id="{E6F1C2B9-B069-8D7F-651A-0CF443545BED}"/>
               </a:ext>
             </a:extLst>
           </p:cNvPr>
@@ -4493,8 +4505,8 @@
         </p:nvSpPr>
         <p:spPr>
           <a:xfrm>
-            <a:off x="379379" y="369811"/>
-            <a:ext cx="6254885" cy="400110"/>
+            <a:off x="426915" y="333808"/>
+            <a:ext cx="5957740" cy="400110"/>
           </a:xfrm>
           <a:prstGeom prst="rect">
             <a:avLst/>
@@ -4509,98 +4521,17 @@
           <a:p>
             <a:r>
               <a:rPr lang="ru-RU" sz="2000" b="1" dirty="0"/>
-              <a:t>Есть ли связь между классом и полом пациента?</a:t>
+              <a:t>Тепловая карта корреляционной матрицы</a:t>
             </a:r>
           </a:p>
         </p:txBody>
       </p:sp>
       <p:pic>
         <p:nvPicPr>
-          <p:cNvPr id="4" name="Рисунок 3">
-            <a:extLst>
-              <a:ext uri="{FF2B5EF4-FFF2-40B4-BE49-F238E27FC236}">
-                <a16:creationId xmlns:a16="http://schemas.microsoft.com/office/drawing/2014/main" id="{3123F8A8-D654-DCD6-4047-2C24740897BE}"/>
-              </a:ext>
-            </a:extLst>
-          </p:cNvPr>
-          <p:cNvPicPr>
-            <a:picLocks noChangeAspect="1"/>
-          </p:cNvPicPr>
-          <p:nvPr/>
-        </p:nvPicPr>
-        <p:blipFill rotWithShape="1">
-          <a:blip r:embed="rId2"/>
-          <a:srcRect t="81986" r="73351" b="9078"/>
-          <a:stretch/>
-        </p:blipFill>
-        <p:spPr>
-          <a:xfrm>
-            <a:off x="233465" y="939995"/>
-            <a:ext cx="4270442" cy="805504"/>
-          </a:xfrm>
-          <a:prstGeom prst="rect">
-            <a:avLst/>
-          </a:prstGeom>
-        </p:spPr>
-      </p:pic>
-      <p:sp>
-        <p:nvSpPr>
-          <p:cNvPr id="5" name="Овал 4">
-            <a:extLst>
-              <a:ext uri="{FF2B5EF4-FFF2-40B4-BE49-F238E27FC236}">
-                <a16:creationId xmlns:a16="http://schemas.microsoft.com/office/drawing/2014/main" id="{572A8082-763B-84E3-6056-BAA6B56161B5}"/>
-              </a:ext>
-            </a:extLst>
-          </p:cNvPr>
-          <p:cNvSpPr/>
-          <p:nvPr/>
-        </p:nvSpPr>
-        <p:spPr>
-          <a:xfrm>
-            <a:off x="2636195" y="1424818"/>
-            <a:ext cx="1760707" cy="267796"/>
-          </a:xfrm>
-          <a:prstGeom prst="ellipse">
-            <a:avLst/>
-          </a:prstGeom>
-          <a:noFill/>
-          <a:ln>
-            <a:solidFill>
-              <a:schemeClr val="accent2"/>
-            </a:solidFill>
-          </a:ln>
-        </p:spPr>
-        <p:style>
-          <a:lnRef idx="2">
-            <a:schemeClr val="accent1">
-              <a:shade val="15000"/>
-            </a:schemeClr>
-          </a:lnRef>
-          <a:fillRef idx="1">
-            <a:schemeClr val="accent1"/>
-          </a:fillRef>
-          <a:effectRef idx="0">
-            <a:schemeClr val="accent1"/>
-          </a:effectRef>
-          <a:fontRef idx="minor">
-            <a:schemeClr val="lt1"/>
-          </a:fontRef>
-        </p:style>
-        <p:txBody>
-          <a:bodyPr rtlCol="0" anchor="ctr"/>
-          <a:lstStyle/>
-          <a:p>
-            <a:pPr algn="ctr"/>
-            <a:endParaRPr lang="ru-RU"/>
-          </a:p>
-        </p:txBody>
-      </p:sp>
-      <p:pic>
-        <p:nvPicPr>
-          <p:cNvPr id="7" name="Рисунок 6">
-            <a:extLst>
-              <a:ext uri="{FF2B5EF4-FFF2-40B4-BE49-F238E27FC236}">
-                <a16:creationId xmlns:a16="http://schemas.microsoft.com/office/drawing/2014/main" id="{F98385F2-E960-1D38-F6A0-B5D9E6F00125}"/>
+          <p:cNvPr id="5" name="Рисунок 4">
+            <a:extLst>
+              <a:ext uri="{FF2B5EF4-FFF2-40B4-BE49-F238E27FC236}">
+                <a16:creationId xmlns:a16="http://schemas.microsoft.com/office/drawing/2014/main" id="{4DCA00F5-C7BE-A490-FD6B-C728FC439D13}"/>
               </a:ext>
             </a:extLst>
           </p:cNvPr>
@@ -4610,7 +4541,7 @@
           <p:nvPr/>
         </p:nvPicPr>
         <p:blipFill>
-          <a:blip r:embed="rId3">
+          <a:blip r:embed="rId2">
             <a:extLst>
               <a:ext uri="{28A0092B-C50C-407E-A947-70E740481C1C}">
                 <a14:useLocalDpi xmlns:a14="http://schemas.microsoft.com/office/drawing/2010/main" val="0"/>
@@ -4623,99 +4554,18 @@
         </p:blipFill>
         <p:spPr>
           <a:xfrm>
-            <a:off x="5254421" y="803968"/>
-            <a:ext cx="6704114" cy="5899051"/>
+            <a:off x="2616200" y="733918"/>
+            <a:ext cx="6959600" cy="5733084"/>
           </a:xfrm>
           <a:prstGeom prst="rect">
             <a:avLst/>
           </a:prstGeom>
         </p:spPr>
       </p:pic>
-      <p:cxnSp>
-        <p:nvCxnSpPr>
-          <p:cNvPr id="9" name="Прямая со стрелкой 8">
-            <a:extLst>
-              <a:ext uri="{FF2B5EF4-FFF2-40B4-BE49-F238E27FC236}">
-                <a16:creationId xmlns:a16="http://schemas.microsoft.com/office/drawing/2014/main" id="{F57BBE7E-82FC-3B53-A87D-5A4CA4323E5D}"/>
-              </a:ext>
-            </a:extLst>
-          </p:cNvPr>
-          <p:cNvCxnSpPr/>
-          <p:nvPr/>
-        </p:nvCxnSpPr>
-        <p:spPr>
-          <a:xfrm>
-            <a:off x="3429001" y="1828801"/>
-            <a:ext cx="0" cy="1011676"/>
-          </a:xfrm>
-          <a:prstGeom prst="straightConnector1">
-            <a:avLst/>
-          </a:prstGeom>
-          <a:ln w="57150">
-            <a:solidFill>
-              <a:schemeClr val="tx1">
-                <a:lumMod val="95000"/>
-                <a:lumOff val="5000"/>
-              </a:schemeClr>
-            </a:solidFill>
-            <a:tailEnd type="triangle"/>
-          </a:ln>
-        </p:spPr>
-        <p:style>
-          <a:lnRef idx="1">
-            <a:schemeClr val="accent1"/>
-          </a:lnRef>
-          <a:fillRef idx="0">
-            <a:schemeClr val="accent1"/>
-          </a:fillRef>
-          <a:effectRef idx="0">
-            <a:schemeClr val="accent1"/>
-          </a:effectRef>
-          <a:fontRef idx="minor">
-            <a:schemeClr val="tx1"/>
-          </a:fontRef>
-        </p:style>
-      </p:cxnSp>
-      <p:sp>
-        <p:nvSpPr>
-          <p:cNvPr id="10" name="TextBox 9">
-            <a:extLst>
-              <a:ext uri="{FF2B5EF4-FFF2-40B4-BE49-F238E27FC236}">
-                <a16:creationId xmlns:a16="http://schemas.microsoft.com/office/drawing/2014/main" id="{8CA1BA94-C9EF-540A-A1FA-EEFFD3D9DDB2}"/>
-              </a:ext>
-            </a:extLst>
-          </p:cNvPr>
-          <p:cNvSpPr txBox="1"/>
-          <p:nvPr/>
-        </p:nvSpPr>
-        <p:spPr>
-          <a:xfrm>
-            <a:off x="1678021" y="2923779"/>
-            <a:ext cx="2825886" cy="338554"/>
-          </a:xfrm>
-          <a:prstGeom prst="rect">
-            <a:avLst/>
-          </a:prstGeom>
-          <a:noFill/>
-        </p:spPr>
-        <p:txBody>
-          <a:bodyPr wrap="square" rtlCol="0">
-            <a:spAutoFit/>
-          </a:bodyPr>
-          <a:lstStyle/>
-          <a:p>
-            <a:pPr algn="ctr"/>
-            <a:r>
-              <a:rPr lang="ru-RU" sz="1600" dirty="0"/>
-              <a:t>класс диабета зависит от пола</a:t>
-            </a:r>
-          </a:p>
-        </p:txBody>
-      </p:sp>
     </p:spTree>
     <p:extLst>
       <p:ext uri="{BB962C8B-B14F-4D97-AF65-F5344CB8AC3E}">
-        <p14:creationId xmlns:p14="http://schemas.microsoft.com/office/powerpoint/2010/main" val="3111179060"/>
+        <p14:creationId xmlns:p14="http://schemas.microsoft.com/office/powerpoint/2010/main" val="950121509"/>
       </p:ext>
     </p:extLst>
   </p:cSld>
@@ -4742,6 +4592,269 @@
           <a:chExt cx="0" cy="0"/>
         </a:xfrm>
       </p:grpSpPr>
+      <p:sp>
+        <p:nvSpPr>
+          <p:cNvPr id="2" name="TextBox 1">
+            <a:extLst>
+              <a:ext uri="{FF2B5EF4-FFF2-40B4-BE49-F238E27FC236}">
+                <a16:creationId xmlns:a16="http://schemas.microsoft.com/office/drawing/2014/main" id="{B9F41145-CB82-5216-2EC5-97AE816488F5}"/>
+              </a:ext>
+            </a:extLst>
+          </p:cNvPr>
+          <p:cNvSpPr txBox="1"/>
+          <p:nvPr/>
+        </p:nvSpPr>
+        <p:spPr>
+          <a:xfrm>
+            <a:off x="379379" y="369811"/>
+            <a:ext cx="6254885" cy="400110"/>
+          </a:xfrm>
+          <a:prstGeom prst="rect">
+            <a:avLst/>
+          </a:prstGeom>
+          <a:noFill/>
+        </p:spPr>
+        <p:txBody>
+          <a:bodyPr wrap="square" rtlCol="0">
+            <a:spAutoFit/>
+          </a:bodyPr>
+          <a:lstStyle/>
+          <a:p>
+            <a:r>
+              <a:rPr lang="ru-RU" sz="2000" b="1" dirty="0"/>
+              <a:t>Есть ли связь между классом и полом пациента?</a:t>
+            </a:r>
+          </a:p>
+        </p:txBody>
+      </p:sp>
+      <p:pic>
+        <p:nvPicPr>
+          <p:cNvPr id="4" name="Рисунок 3">
+            <a:extLst>
+              <a:ext uri="{FF2B5EF4-FFF2-40B4-BE49-F238E27FC236}">
+                <a16:creationId xmlns:a16="http://schemas.microsoft.com/office/drawing/2014/main" id="{3123F8A8-D654-DCD6-4047-2C24740897BE}"/>
+              </a:ext>
+            </a:extLst>
+          </p:cNvPr>
+          <p:cNvPicPr>
+            <a:picLocks noChangeAspect="1"/>
+          </p:cNvPicPr>
+          <p:nvPr/>
+        </p:nvPicPr>
+        <p:blipFill rotWithShape="1">
+          <a:blip r:embed="rId2"/>
+          <a:srcRect t="81986" r="73351" b="9078"/>
+          <a:stretch/>
+        </p:blipFill>
+        <p:spPr>
+          <a:xfrm>
+            <a:off x="233465" y="939995"/>
+            <a:ext cx="4270442" cy="805504"/>
+          </a:xfrm>
+          <a:prstGeom prst="rect">
+            <a:avLst/>
+          </a:prstGeom>
+        </p:spPr>
+      </p:pic>
+      <p:sp>
+        <p:nvSpPr>
+          <p:cNvPr id="5" name="Овал 4">
+            <a:extLst>
+              <a:ext uri="{FF2B5EF4-FFF2-40B4-BE49-F238E27FC236}">
+                <a16:creationId xmlns:a16="http://schemas.microsoft.com/office/drawing/2014/main" id="{572A8082-763B-84E3-6056-BAA6B56161B5}"/>
+              </a:ext>
+            </a:extLst>
+          </p:cNvPr>
+          <p:cNvSpPr/>
+          <p:nvPr/>
+        </p:nvSpPr>
+        <p:spPr>
+          <a:xfrm>
+            <a:off x="2636195" y="1424818"/>
+            <a:ext cx="1760707" cy="267796"/>
+          </a:xfrm>
+          <a:prstGeom prst="ellipse">
+            <a:avLst/>
+          </a:prstGeom>
+          <a:noFill/>
+          <a:ln>
+            <a:solidFill>
+              <a:schemeClr val="accent2"/>
+            </a:solidFill>
+          </a:ln>
+        </p:spPr>
+        <p:style>
+          <a:lnRef idx="2">
+            <a:schemeClr val="accent1">
+              <a:shade val="15000"/>
+            </a:schemeClr>
+          </a:lnRef>
+          <a:fillRef idx="1">
+            <a:schemeClr val="accent1"/>
+          </a:fillRef>
+          <a:effectRef idx="0">
+            <a:schemeClr val="accent1"/>
+          </a:effectRef>
+          <a:fontRef idx="minor">
+            <a:schemeClr val="lt1"/>
+          </a:fontRef>
+        </p:style>
+        <p:txBody>
+          <a:bodyPr rtlCol="0" anchor="ctr"/>
+          <a:lstStyle/>
+          <a:p>
+            <a:pPr algn="ctr"/>
+            <a:endParaRPr lang="ru-RU"/>
+          </a:p>
+        </p:txBody>
+      </p:sp>
+      <p:pic>
+        <p:nvPicPr>
+          <p:cNvPr id="7" name="Рисунок 6">
+            <a:extLst>
+              <a:ext uri="{FF2B5EF4-FFF2-40B4-BE49-F238E27FC236}">
+                <a16:creationId xmlns:a16="http://schemas.microsoft.com/office/drawing/2014/main" id="{F98385F2-E960-1D38-F6A0-B5D9E6F00125}"/>
+              </a:ext>
+            </a:extLst>
+          </p:cNvPr>
+          <p:cNvPicPr>
+            <a:picLocks noChangeAspect="1"/>
+          </p:cNvPicPr>
+          <p:nvPr/>
+        </p:nvPicPr>
+        <p:blipFill>
+          <a:blip r:embed="rId3">
+            <a:extLst>
+              <a:ext uri="{28A0092B-C50C-407E-A947-70E740481C1C}">
+                <a14:useLocalDpi xmlns:a14="http://schemas.microsoft.com/office/drawing/2010/main" val="0"/>
+              </a:ext>
+            </a:extLst>
+          </a:blip>
+          <a:stretch>
+            <a:fillRect/>
+          </a:stretch>
+        </p:blipFill>
+        <p:spPr>
+          <a:xfrm>
+            <a:off x="5254421" y="803968"/>
+            <a:ext cx="6704114" cy="5899051"/>
+          </a:xfrm>
+          <a:prstGeom prst="rect">
+            <a:avLst/>
+          </a:prstGeom>
+        </p:spPr>
+      </p:pic>
+      <p:cxnSp>
+        <p:nvCxnSpPr>
+          <p:cNvPr id="9" name="Прямая со стрелкой 8">
+            <a:extLst>
+              <a:ext uri="{FF2B5EF4-FFF2-40B4-BE49-F238E27FC236}">
+                <a16:creationId xmlns:a16="http://schemas.microsoft.com/office/drawing/2014/main" id="{F57BBE7E-82FC-3B53-A87D-5A4CA4323E5D}"/>
+              </a:ext>
+            </a:extLst>
+          </p:cNvPr>
+          <p:cNvCxnSpPr/>
+          <p:nvPr/>
+        </p:nvCxnSpPr>
+        <p:spPr>
+          <a:xfrm>
+            <a:off x="3429001" y="1828801"/>
+            <a:ext cx="0" cy="1011676"/>
+          </a:xfrm>
+          <a:prstGeom prst="straightConnector1">
+            <a:avLst/>
+          </a:prstGeom>
+          <a:ln w="57150">
+            <a:solidFill>
+              <a:schemeClr val="tx1">
+                <a:lumMod val="95000"/>
+                <a:lumOff val="5000"/>
+              </a:schemeClr>
+            </a:solidFill>
+            <a:tailEnd type="triangle"/>
+          </a:ln>
+        </p:spPr>
+        <p:style>
+          <a:lnRef idx="1">
+            <a:schemeClr val="accent1"/>
+          </a:lnRef>
+          <a:fillRef idx="0">
+            <a:schemeClr val="accent1"/>
+          </a:fillRef>
+          <a:effectRef idx="0">
+            <a:schemeClr val="accent1"/>
+          </a:effectRef>
+          <a:fontRef idx="minor">
+            <a:schemeClr val="tx1"/>
+          </a:fontRef>
+        </p:style>
+      </p:cxnSp>
+      <p:sp>
+        <p:nvSpPr>
+          <p:cNvPr id="10" name="TextBox 9">
+            <a:extLst>
+              <a:ext uri="{FF2B5EF4-FFF2-40B4-BE49-F238E27FC236}">
+                <a16:creationId xmlns:a16="http://schemas.microsoft.com/office/drawing/2014/main" id="{8CA1BA94-C9EF-540A-A1FA-EEFFD3D9DDB2}"/>
+              </a:ext>
+            </a:extLst>
+          </p:cNvPr>
+          <p:cNvSpPr txBox="1"/>
+          <p:nvPr/>
+        </p:nvSpPr>
+        <p:spPr>
+          <a:xfrm>
+            <a:off x="1706219" y="2840477"/>
+            <a:ext cx="3172945" cy="338554"/>
+          </a:xfrm>
+          <a:prstGeom prst="rect">
+            <a:avLst/>
+          </a:prstGeom>
+          <a:noFill/>
+        </p:spPr>
+        <p:txBody>
+          <a:bodyPr wrap="square" rtlCol="0">
+            <a:spAutoFit/>
+          </a:bodyPr>
+          <a:lstStyle/>
+          <a:p>
+            <a:pPr algn="ctr"/>
+            <a:r>
+              <a:rPr lang="ru-RU" sz="1600" dirty="0"/>
+              <a:t>класс пациентов зависит от пола</a:t>
+            </a:r>
+          </a:p>
+        </p:txBody>
+      </p:sp>
+    </p:spTree>
+    <p:extLst>
+      <p:ext uri="{BB962C8B-B14F-4D97-AF65-F5344CB8AC3E}">
+        <p14:creationId xmlns:p14="http://schemas.microsoft.com/office/powerpoint/2010/main" val="3111179060"/>
+      </p:ext>
+    </p:extLst>
+  </p:cSld>
+  <p:clrMapOvr>
+    <a:masterClrMapping/>
+  </p:clrMapOvr>
+</p:sld>
+</file>
+
+<file path=ppt/slides/slide9.xml><?xml version="1.0" encoding="utf-8"?>
+<p:sld xmlns:a="http://schemas.openxmlformats.org/drawingml/2006/main" xmlns:r="http://schemas.openxmlformats.org/officeDocument/2006/relationships" xmlns:p="http://schemas.openxmlformats.org/presentationml/2006/main">
+  <p:cSld>
+    <p:spTree>
+      <p:nvGrpSpPr>
+        <p:cNvPr id="1" name=""/>
+        <p:cNvGrpSpPr/>
+        <p:nvPr/>
+      </p:nvGrpSpPr>
+      <p:grpSpPr>
+        <a:xfrm>
+          <a:off x="0" y="0"/>
+          <a:ext cx="0" cy="0"/>
+          <a:chOff x="0" y="0"/>
+          <a:chExt cx="0" cy="0"/>
+        </a:xfrm>
+      </p:grpSpPr>
       <p:pic>
         <p:nvPicPr>
           <p:cNvPr id="3" name="Рисунок 2">
@@ -4820,7 +4933,7 @@
         </p:nvSpPr>
         <p:spPr>
           <a:xfrm>
-            <a:off x="716437" y="2668659"/>
+            <a:off x="1061877" y="2727679"/>
             <a:ext cx="9630721" cy="3970318"/>
           </a:xfrm>
           <a:prstGeom prst="rect">
@@ -4876,13 +4989,8 @@
             </a:r>
             <a:r>
               <a:rPr lang="ru-RU" dirty="0"/>
-              <a:t>) на одну единицу увеличивает вероятность принадлежности к классу «P» примерно в </a:t>
-            </a:r>
-            <a:r>
-              <a:rPr lang="ru-RU"/>
-              <a:t>1.8 раз.</a:t>
-            </a:r>
-            <a:endParaRPr lang="ru-RU" dirty="0"/>
+              <a:t>) на одну единицу увеличивает вероятность принадлежности к классу «P» примерно в 1.8 раз.</a:t>
+            </a:r>
           </a:p>
           <a:p>
             <a:r>
@@ -5024,7 +5132,7 @@
         </p:blipFill>
         <p:spPr>
           <a:xfrm>
-            <a:off x="7210920" y="326092"/>
+            <a:off x="7149960" y="536223"/>
             <a:ext cx="3897717" cy="2024697"/>
           </a:xfrm>
           <a:prstGeom prst="rect">
